--- a/Overall Methodology.pptx
+++ b/Overall Methodology.pptx
@@ -105,15 +105,41 @@
       </a:defRPr>
     </a:lvl9pPr>
   </p:defaultTextStyle>
+  <p:extLst>
+    <p:ext uri="{EFAFB233-063F-42B5-8137-9DF3F51BA10A}">
+      <p15:sldGuideLst xmlns:p15="http://schemas.microsoft.com/office/powerpoint/2012/main"/>
+    </p:ext>
+  </p:extLst>
 </p:presentation>
 </file>
 
-<file path=ppt/revisionInfo.xml><?xml version="1.0" encoding="utf-8"?>
-<p1510:revInfo xmlns:a="http://schemas.openxmlformats.org/drawingml/2006/main" xmlns:r="http://schemas.openxmlformats.org/officeDocument/2006/relationships" xmlns:p1510="http://schemas.microsoft.com/office/powerpoint/2015/10/main">
-  <p1510:revLst>
-    <p1510:client id="{89DC7BBE-1370-4D9C-846A-83A7AC78156E}" v="7" dt="2024-10-27T15:15:22.477"/>
-  </p1510:revLst>
-</p1510:revInfo>
+<file path=ppt/changesInfos/changesInfo1.xml><?xml version="1.0" encoding="utf-8"?>
+<pc:chgInfo xmlns:a="http://schemas.openxmlformats.org/drawingml/2006/main" xmlns:r="http://schemas.openxmlformats.org/officeDocument/2006/relationships" xmlns:ac="http://schemas.microsoft.com/office/drawing/2013/main/command" xmlns:pc="http://schemas.microsoft.com/office/powerpoint/2013/main/command">
+  <pc:docChgLst>
+    <pc:chgData name="Jeffrey Fitzpatrick" userId="6c11e153bc46fe06" providerId="LiveId" clId="{301FE732-1D46-499C-ACDF-83416531B276}"/>
+    <pc:docChg chg="modSld">
+      <pc:chgData name="Jeffrey Fitzpatrick" userId="6c11e153bc46fe06" providerId="LiveId" clId="{301FE732-1D46-499C-ACDF-83416531B276}" dt="2024-11-12T15:19:36.371" v="30" actId="20577"/>
+      <pc:docMkLst>
+        <pc:docMk/>
+      </pc:docMkLst>
+      <pc:sldChg chg="modSp mod">
+        <pc:chgData name="Jeffrey Fitzpatrick" userId="6c11e153bc46fe06" providerId="LiveId" clId="{301FE732-1D46-499C-ACDF-83416531B276}" dt="2024-11-12T15:19:36.371" v="30" actId="20577"/>
+        <pc:sldMkLst>
+          <pc:docMk/>
+          <pc:sldMk cId="3125548617" sldId="257"/>
+        </pc:sldMkLst>
+        <pc:spChg chg="mod">
+          <ac:chgData name="Jeffrey Fitzpatrick" userId="6c11e153bc46fe06" providerId="LiveId" clId="{301FE732-1D46-499C-ACDF-83416531B276}" dt="2024-11-12T15:19:36.371" v="30" actId="20577"/>
+          <ac:spMkLst>
+            <pc:docMk/>
+            <pc:sldMk cId="3125548617" sldId="257"/>
+            <ac:spMk id="30" creationId="{27113BC7-646D-F79B-3774-FE2291710E67}"/>
+          </ac:spMkLst>
+        </pc:spChg>
+      </pc:sldChg>
+    </pc:docChg>
+  </pc:docChgLst>
+</pc:chgInfo>
 </file>
 
 <file path=ppt/slideLayouts/slideLayout1.xml><?xml version="1.0" encoding="utf-8"?>
@@ -265,7 +291,7 @@
           <a:p>
             <a:fld id="{63051180-6874-4E6C-A059-6061E0D303B7}" type="datetimeFigureOut">
               <a:rPr lang="en-CA" smtClean="0"/>
-              <a:t>2024-10-27</a:t>
+              <a:t>2024-11-12</a:t>
             </a:fld>
             <a:endParaRPr lang="en-CA"/>
           </a:p>
@@ -465,7 +491,7 @@
           <a:p>
             <a:fld id="{63051180-6874-4E6C-A059-6061E0D303B7}" type="datetimeFigureOut">
               <a:rPr lang="en-CA" smtClean="0"/>
-              <a:t>2024-10-27</a:t>
+              <a:t>2024-11-12</a:t>
             </a:fld>
             <a:endParaRPr lang="en-CA"/>
           </a:p>
@@ -675,7 +701,7 @@
           <a:p>
             <a:fld id="{63051180-6874-4E6C-A059-6061E0D303B7}" type="datetimeFigureOut">
               <a:rPr lang="en-CA" smtClean="0"/>
-              <a:t>2024-10-27</a:t>
+              <a:t>2024-11-12</a:t>
             </a:fld>
             <a:endParaRPr lang="en-CA"/>
           </a:p>
@@ -875,7 +901,7 @@
           <a:p>
             <a:fld id="{63051180-6874-4E6C-A059-6061E0D303B7}" type="datetimeFigureOut">
               <a:rPr lang="en-CA" smtClean="0"/>
-              <a:t>2024-10-27</a:t>
+              <a:t>2024-11-12</a:t>
             </a:fld>
             <a:endParaRPr lang="en-CA"/>
           </a:p>
@@ -1151,7 +1177,7 @@
           <a:p>
             <a:fld id="{63051180-6874-4E6C-A059-6061E0D303B7}" type="datetimeFigureOut">
               <a:rPr lang="en-CA" smtClean="0"/>
-              <a:t>2024-10-27</a:t>
+              <a:t>2024-11-12</a:t>
             </a:fld>
             <a:endParaRPr lang="en-CA"/>
           </a:p>
@@ -1419,7 +1445,7 @@
           <a:p>
             <a:fld id="{63051180-6874-4E6C-A059-6061E0D303B7}" type="datetimeFigureOut">
               <a:rPr lang="en-CA" smtClean="0"/>
-              <a:t>2024-10-27</a:t>
+              <a:t>2024-11-12</a:t>
             </a:fld>
             <a:endParaRPr lang="en-CA"/>
           </a:p>
@@ -1834,7 +1860,7 @@
           <a:p>
             <a:fld id="{63051180-6874-4E6C-A059-6061E0D303B7}" type="datetimeFigureOut">
               <a:rPr lang="en-CA" smtClean="0"/>
-              <a:t>2024-10-27</a:t>
+              <a:t>2024-11-12</a:t>
             </a:fld>
             <a:endParaRPr lang="en-CA"/>
           </a:p>
@@ -1976,7 +2002,7 @@
           <a:p>
             <a:fld id="{63051180-6874-4E6C-A059-6061E0D303B7}" type="datetimeFigureOut">
               <a:rPr lang="en-CA" smtClean="0"/>
-              <a:t>2024-10-27</a:t>
+              <a:t>2024-11-12</a:t>
             </a:fld>
             <a:endParaRPr lang="en-CA"/>
           </a:p>
@@ -2089,7 +2115,7 @@
           <a:p>
             <a:fld id="{63051180-6874-4E6C-A059-6061E0D303B7}" type="datetimeFigureOut">
               <a:rPr lang="en-CA" smtClean="0"/>
-              <a:t>2024-10-27</a:t>
+              <a:t>2024-11-12</a:t>
             </a:fld>
             <a:endParaRPr lang="en-CA"/>
           </a:p>
@@ -2402,7 +2428,7 @@
           <a:p>
             <a:fld id="{63051180-6874-4E6C-A059-6061E0D303B7}" type="datetimeFigureOut">
               <a:rPr lang="en-CA" smtClean="0"/>
-              <a:t>2024-10-27</a:t>
+              <a:t>2024-11-12</a:t>
             </a:fld>
             <a:endParaRPr lang="en-CA"/>
           </a:p>
@@ -2691,7 +2717,7 @@
           <a:p>
             <a:fld id="{63051180-6874-4E6C-A059-6061E0D303B7}" type="datetimeFigureOut">
               <a:rPr lang="en-CA" smtClean="0"/>
-              <a:t>2024-10-27</a:t>
+              <a:t>2024-11-12</a:t>
             </a:fld>
             <a:endParaRPr lang="en-CA"/>
           </a:p>
@@ -2934,7 +2960,7 @@
           <a:p>
             <a:fld id="{63051180-6874-4E6C-A059-6061E0D303B7}" type="datetimeFigureOut">
               <a:rPr lang="en-CA" smtClean="0"/>
-              <a:t>2024-10-27</a:t>
+              <a:t>2024-11-12</a:t>
             </a:fld>
             <a:endParaRPr lang="en-CA"/>
           </a:p>
@@ -4542,8 +4568,13 @@
             </a:pPr>
             <a:r>
               <a:rPr lang="en-CA" sz="1200" dirty="0"/>
-              <a:t>Linear Discriminant Analysis </a:t>
-            </a:r>
+              <a:t>Multinomial </a:t>
+            </a:r>
+            <a:r>
+              <a:rPr lang="en-CA" sz="1200"/>
+              <a:t>Logistic Regression</a:t>
+            </a:r>
+            <a:endParaRPr lang="en-CA" sz="1200" dirty="0"/>
           </a:p>
         </p:txBody>
       </p:sp>
